--- a/presentations/2009/DSL/DSL_Presentation.pptx
+++ b/presentations/2009/DSL/DSL_Presentation.pptx
@@ -2300,11 +2300,7 @@
             </a:r>
             <a:r>
               <a:rPr lang="en-NZ" baseline="0" dirty="0" smtClean="0"/>
-              <a:t> and inserting the statements from our script into the body of the evaluate </a:t>
-            </a:r>
-            <a:r>
-              <a:rPr lang="en-NZ" baseline="0" dirty="0" smtClean="0"/>
-              <a:t>method.</a:t>
+              <a:t> and inserting the statements from our script into the body of the evaluate method.</a:t>
             </a:r>
           </a:p>
           <a:p>
@@ -2331,7 +2327,6 @@
               <a:rPr lang="en-NZ" baseline="0" dirty="0" smtClean="0"/>
               <a:t> – which might expose all the information it’s collecting in a way that’s easier test against.</a:t>
             </a:r>
-            <a:endParaRPr lang="en-NZ" baseline="0" dirty="0" smtClean="0"/>
           </a:p>
         </p:txBody>
       </p:sp>
@@ -11617,15 +11612,7 @@
           <a:p>
             <a:r>
               <a:rPr lang="en-NZ" sz="2000" dirty="0" smtClean="0"/>
-              <a:t>At this point </a:t>
-            </a:r>
-            <a:r>
-              <a:rPr lang="en-NZ" sz="2000" dirty="0" smtClean="0"/>
-              <a:t>our </a:t>
-            </a:r>
-            <a:r>
-              <a:rPr lang="en-NZ" sz="2000" dirty="0" smtClean="0"/>
-              <a:t>code can handle the </a:t>
+              <a:t>At this point our code can handle the </a:t>
             </a:r>
             <a:r>
               <a:rPr lang="en-NZ" sz="2000" dirty="0" err="1" smtClean="0"/>
@@ -14205,41 +14192,25 @@
           <a:p>
             <a:r>
               <a:rPr lang="en-NZ" dirty="0" smtClean="0"/>
-              <a:t>Passionate </a:t>
-            </a:r>
-            <a:r>
-              <a:rPr lang="en-NZ" dirty="0" smtClean="0"/>
-              <a:t>Developer</a:t>
-            </a:r>
-          </a:p>
-          <a:p>
-            <a:r>
-              <a:rPr lang="en-NZ" dirty="0" smtClean="0"/>
-              <a:t>Auckland </a:t>
-            </a:r>
-            <a:r>
-              <a:rPr lang="en-NZ" dirty="0" smtClean="0"/>
-              <a:t>Architecture Chat Organiser</a:t>
-            </a:r>
-          </a:p>
-          <a:p>
-            <a:r>
-              <a:rPr lang="en-NZ" dirty="0" smtClean="0"/>
-              <a:t>Sometimes </a:t>
-            </a:r>
-            <a:r>
-              <a:rPr lang="en-NZ" dirty="0" smtClean="0"/>
-              <a:t>Blogger</a:t>
-            </a:r>
-          </a:p>
-          <a:p>
-            <a:r>
-              <a:rPr lang="en-NZ" dirty="0" smtClean="0"/>
-              <a:t>Work/Play </a:t>
-            </a:r>
-            <a:r>
-              <a:rPr lang="en-NZ" dirty="0" smtClean="0"/>
-              <a:t>at </a:t>
+              <a:t>Passionate Developer</a:t>
+            </a:r>
+          </a:p>
+          <a:p>
+            <a:r>
+              <a:rPr lang="en-NZ" dirty="0" smtClean="0"/>
+              <a:t>Auckland Architecture Chat Organiser</a:t>
+            </a:r>
+          </a:p>
+          <a:p>
+            <a:r>
+              <a:rPr lang="en-NZ" dirty="0" smtClean="0"/>
+              <a:t>Sometimes Blogger</a:t>
+            </a:r>
+          </a:p>
+          <a:p>
+            <a:r>
+              <a:rPr lang="en-NZ" dirty="0" smtClean="0"/>
+              <a:t>Work/Play at </a:t>
             </a:r>
             <a:r>
               <a:rPr lang="en-NZ" dirty="0" err="1" smtClean="0"/>
@@ -16375,11 +16346,7 @@
             </a:r>
             <a:r>
               <a:rPr lang="en-NZ" sz="2800" dirty="0" smtClean="0"/>
-              <a:t> great book “Writing Domain Specific Languages With Boo</a:t>
-            </a:r>
-            <a:r>
-              <a:rPr lang="en-NZ" sz="2800" dirty="0" smtClean="0"/>
-              <a:t>”.</a:t>
+              <a:t> great book “Writing Domain Specific Languages With Boo”.</a:t>
             </a:r>
           </a:p>
         </p:txBody>
@@ -16452,7 +16419,7 @@
         <p:spPr/>
         <p:txBody>
           <a:bodyPr>
-            <a:normAutofit fontScale="92500" lnSpcReduction="10000"/>
+            <a:normAutofit/>
           </a:bodyPr>
           <a:lstStyle/>
           <a:p>
@@ -16476,28 +16443,12 @@
           <a:p>
             <a:r>
               <a:rPr lang="en-NZ" dirty="0" smtClean="0"/>
-              <a:t>App can then print a report based on the returned list of modules...</a:t>
-            </a:r>
-          </a:p>
-          <a:p>
-            <a:pPr>
-              <a:buNone/>
-            </a:pPr>
-            <a:endParaRPr lang="en-NZ" dirty="0" smtClean="0"/>
-          </a:p>
-          <a:p>
-            <a:pPr>
-              <a:buNone/>
-            </a:pPr>
-            <a:r>
-              <a:rPr lang="en-NZ" dirty="0" smtClean="0"/>
-              <a:t>Let’s start with a very brief demo then review...</a:t>
-            </a:r>
-          </a:p>
-          <a:p>
-            <a:pPr>
-              <a:buNone/>
-            </a:pPr>
+              <a:t>App </a:t>
+            </a:r>
+            <a:r>
+              <a:rPr lang="en-NZ" dirty="0" smtClean="0"/>
+              <a:t>5</a:t>
+            </a:r>
             <a:endParaRPr lang="en-NZ" dirty="0"/>
           </a:p>
         </p:txBody>
@@ -18828,19 +18779,11 @@
             </a:r>
             <a:r>
               <a:rPr lang="en-NZ" sz="2000" b="1" dirty="0" smtClean="0"/>
-              <a:t>match </a:t>
-            </a:r>
-            <a:r>
-              <a:rPr lang="en-NZ" sz="2000" b="1" dirty="0" smtClean="0"/>
-              <a:t>up </a:t>
+              <a:t>match up </a:t>
             </a:r>
             <a:r>
               <a:rPr lang="en-NZ" sz="2000" dirty="0" smtClean="0"/>
-              <a:t>with those we’ve used in our DSL – this is still just the </a:t>
-            </a:r>
-            <a:r>
-              <a:rPr lang="en-NZ" sz="2000" dirty="0" smtClean="0"/>
-              <a:t>CLR, No magic here.</a:t>
+              <a:t>with those we’ve used in our DSL – this is still just the CLR, No magic here.</a:t>
             </a:r>
             <a:endParaRPr lang="en-NZ" sz="2000" dirty="0"/>
           </a:p>
